--- a/Amazon_Submission.pptx
+++ b/Amazon_Submission.pptx
@@ -216,7 +216,7 @@
           <a:p>
             <a:fld id="{29E3A75D-23C6-4668-8DC3-DC2D836920B1}" type="datetimeFigureOut">
               <a:rPr lang="en-DE" smtClean="0"/>
-              <a:t>04/12/2020</a:t>
+              <a:t>08/12/2020</a:t>
             </a:fld>
             <a:endParaRPr lang="en-DE"/>
           </a:p>
@@ -1229,7 +1229,7 @@
           <a:p>
             <a:fld id="{655A5808-3B61-48CC-92EF-85AC2E0DFA56}" type="datetime2">
               <a:rPr lang="en-US" smtClean="0"/>
-              <a:t>Friday, December 4, 2020</a:t>
+              <a:t>Tuesday, December 8, 2020</a:t>
             </a:fld>
             <a:endParaRPr lang="en-US"/>
           </a:p>
@@ -1481,7 +1481,7 @@
             <a:fld id="{AE0C963C-C1DB-4AFD-9DDC-0691666BF49B}" type="datetime2">
               <a:rPr lang="en-US" smtClean="0"/>
               <a:pPr/>
-              <a:t>Friday, December 4, 2020</a:t>
+              <a:t>Tuesday, December 8, 2020</a:t>
             </a:fld>
             <a:endParaRPr lang="en-US" cap="all" dirty="0"/>
           </a:p>
@@ -1799,7 +1799,7 @@
             <a:fld id="{AE0C963C-C1DB-4AFD-9DDC-0691666BF49B}" type="datetime2">
               <a:rPr lang="en-US" smtClean="0"/>
               <a:pPr/>
-              <a:t>Friday, December 4, 2020</a:t>
+              <a:t>Tuesday, December 8, 2020</a:t>
             </a:fld>
             <a:endParaRPr lang="en-US" cap="all" dirty="0"/>
           </a:p>
@@ -2136,7 +2136,7 @@
             <a:fld id="{AE0C963C-C1DB-4AFD-9DDC-0691666BF49B}" type="datetime2">
               <a:rPr lang="en-US" smtClean="0"/>
               <a:pPr/>
-              <a:t>Friday, December 4, 2020</a:t>
+              <a:t>Tuesday, December 8, 2020</a:t>
             </a:fld>
             <a:endParaRPr lang="en-US" cap="all" dirty="0"/>
           </a:p>
@@ -2454,7 +2454,7 @@
             <a:fld id="{AE0C963C-C1DB-4AFD-9DDC-0691666BF49B}" type="datetime2">
               <a:rPr lang="en-US" smtClean="0"/>
               <a:pPr/>
-              <a:t>Friday, December 4, 2020</a:t>
+              <a:t>Tuesday, December 8, 2020</a:t>
             </a:fld>
             <a:endParaRPr lang="en-US" cap="all" dirty="0"/>
           </a:p>
@@ -2851,7 +2851,7 @@
             <a:fld id="{AE0C963C-C1DB-4AFD-9DDC-0691666BF49B}" type="datetime2">
               <a:rPr lang="en-US" smtClean="0"/>
               <a:pPr/>
-              <a:t>Friday, December 4, 2020</a:t>
+              <a:t>Tuesday, December 8, 2020</a:t>
             </a:fld>
             <a:endParaRPr lang="en-US" cap="all" dirty="0"/>
           </a:p>
@@ -3024,7 +3024,7 @@
           <a:p>
             <a:fld id="{735E98AF-4574-4509-BF7A-519ACD5BF826}" type="datetime2">
               <a:rPr lang="en-US" smtClean="0"/>
-              <a:t>Friday, December 4, 2020</a:t>
+              <a:t>Tuesday, December 8, 2020</a:t>
             </a:fld>
             <a:endParaRPr lang="en-US"/>
           </a:p>
@@ -3204,7 +3204,7 @@
           <a:p>
             <a:fld id="{93DD97D4-9636-490F-85D0-E926C2B6F3B1}" type="datetime2">
               <a:rPr lang="en-US" smtClean="0"/>
-              <a:t>Friday, December 4, 2020</a:t>
+              <a:t>Tuesday, December 8, 2020</a:t>
             </a:fld>
             <a:endParaRPr lang="en-US"/>
           </a:p>
@@ -3374,7 +3374,7 @@
           <a:p>
             <a:fld id="{2F3AF3C6-0FD4-4939-991C-00DDE5C56815}" type="datetime2">
               <a:rPr lang="en-US" smtClean="0"/>
-              <a:t>Friday, December 4, 2020</a:t>
+              <a:t>Tuesday, December 8, 2020</a:t>
             </a:fld>
             <a:endParaRPr lang="en-US"/>
           </a:p>
@@ -3621,7 +3621,7 @@
           <a:p>
             <a:fld id="{86807482-8128-47C6-A8DD-6452B0291CFF}" type="datetime2">
               <a:rPr lang="en-US" smtClean="0"/>
-              <a:t>Friday, December 4, 2020</a:t>
+              <a:t>Tuesday, December 8, 2020</a:t>
             </a:fld>
             <a:endParaRPr lang="en-US"/>
           </a:p>
@@ -3853,7 +3853,7 @@
           <a:p>
             <a:fld id="{37903F25-275E-41DE-BE3B-EBF0DB49F9B1}" type="datetime2">
               <a:rPr lang="en-US" smtClean="0"/>
-              <a:t>Friday, December 4, 2020</a:t>
+              <a:t>Tuesday, December 8, 2020</a:t>
             </a:fld>
             <a:endParaRPr lang="en-US"/>
           </a:p>
@@ -4227,7 +4227,7 @@
           <a:p>
             <a:fld id="{EE475572-4A44-4171-84AA-64D42C8050A6}" type="datetime2">
               <a:rPr lang="en-US" smtClean="0"/>
-              <a:t>Friday, December 4, 2020</a:t>
+              <a:t>Tuesday, December 8, 2020</a:t>
             </a:fld>
             <a:endParaRPr lang="en-US"/>
           </a:p>
@@ -4350,7 +4350,7 @@
           <a:p>
             <a:fld id="{C4C1612E-528E-4FD5-9E9E-E15F1108F171}" type="datetime2">
               <a:rPr lang="en-US" smtClean="0"/>
-              <a:t>Friday, December 4, 2020</a:t>
+              <a:t>Tuesday, December 8, 2020</a:t>
             </a:fld>
             <a:endParaRPr lang="en-US"/>
           </a:p>
@@ -4445,7 +4445,7 @@
           <a:p>
             <a:fld id="{D4F6D862-A06D-436F-A92E-EBAAD50B6E50}" type="datetime2">
               <a:rPr lang="en-US" smtClean="0"/>
-              <a:t>Friday, December 4, 2020</a:t>
+              <a:t>Tuesday, December 8, 2020</a:t>
             </a:fld>
             <a:endParaRPr lang="en-US"/>
           </a:p>
@@ -4700,7 +4700,7 @@
           <a:p>
             <a:fld id="{B73E0B7D-2260-4809-8F0A-9E5F3E24F169}" type="datetime2">
               <a:rPr lang="en-US" smtClean="0"/>
-              <a:t>Friday, December 4, 2020</a:t>
+              <a:t>Tuesday, December 8, 2020</a:t>
             </a:fld>
             <a:endParaRPr lang="en-US"/>
           </a:p>
@@ -5005,7 +5005,7 @@
           <a:p>
             <a:fld id="{3C8E4735-C637-46A3-94EB-AB3AC4188D2F}" type="datetime2">
               <a:rPr lang="en-US" smtClean="0"/>
-              <a:t>Friday, December 4, 2020</a:t>
+              <a:t>Tuesday, December 8, 2020</a:t>
             </a:fld>
             <a:endParaRPr lang="en-US"/>
           </a:p>
@@ -5708,7 +5708,7 @@
             <a:fld id="{AE0C963C-C1DB-4AFD-9DDC-0691666BF49B}" type="datetime2">
               <a:rPr lang="en-US" smtClean="0"/>
               <a:pPr/>
-              <a:t>Friday, December 4, 2020</a:t>
+              <a:t>Tuesday, December 8, 2020</a:t>
             </a:fld>
             <a:endParaRPr lang="en-US" cap="all" dirty="0"/>
           </a:p>
@@ -6396,7 +6396,7 @@
         </p:spPr>
         <p:txBody>
           <a:bodyPr vert="horz" lIns="91440" tIns="45720" rIns="91440" bIns="45720" rtlCol="0" anchor="t">
-            <a:normAutofit fontScale="85000" lnSpcReduction="10000"/>
+            <a:normAutofit/>
           </a:bodyPr>
           <a:lstStyle>
             <a:lvl1pPr marL="0" indent="0" algn="r" defTabSz="457200" rtl="0" eaLnBrk="1" latinLnBrk="0" hangingPunct="1">
@@ -6635,114 +6635,6 @@
               </a:rPr>
               <a:t>: 	Manish M. Dalvi</a:t>
             </a:r>
-          </a:p>
-          <a:p>
-            <a:pPr algn="l"/>
-            <a:r>
-              <a:rPr lang="en-US" u="sng" dirty="0">
-                <a:solidFill>
-                  <a:srgbClr val="002060"/>
-                </a:solidFill>
-              </a:rPr>
-              <a:t>Contact</a:t>
-            </a:r>
-            <a:r>
-              <a:rPr lang="en-US" dirty="0">
-                <a:solidFill>
-                  <a:srgbClr val="002060"/>
-                </a:solidFill>
-              </a:rPr>
-              <a:t>: </a:t>
-            </a:r>
-            <a:r>
-              <a:rPr lang="en-US" dirty="0">
-                <a:solidFill>
-                  <a:srgbClr val="002060"/>
-                </a:solidFill>
-                <a:hlinkClick r:id="rId2">
-                  <a:extLst>
-                    <a:ext uri="{A12FA001-AC4F-418D-AE19-62706E023703}">
-                      <ahyp:hlinkClr xmlns:ahyp="http://schemas.microsoft.com/office/drawing/2018/hyperlinkcolor" val="tx"/>
-                    </a:ext>
-                  </a:extLst>
-                </a:hlinkClick>
-              </a:rPr>
-              <a:t>md2077@gmail.com</a:t>
-            </a:r>
-            <a:r>
-              <a:rPr lang="en-US" dirty="0">
-                <a:solidFill>
-                  <a:srgbClr val="002060"/>
-                </a:solidFill>
-              </a:rPr>
-              <a:t>(</a:t>
-            </a:r>
-            <a:r>
-              <a:rPr lang="en-US" dirty="0" err="1">
-                <a:solidFill>
-                  <a:srgbClr val="002060"/>
-                </a:solidFill>
-              </a:rPr>
-              <a:t>Hackerearth</a:t>
-            </a:r>
-            <a:r>
-              <a:rPr lang="en-US" dirty="0">
-                <a:solidFill>
-                  <a:srgbClr val="002060"/>
-                </a:solidFill>
-              </a:rPr>
-              <a:t> Id)</a:t>
-            </a:r>
-          </a:p>
-          <a:p>
-            <a:pPr algn="l"/>
-            <a:r>
-              <a:rPr lang="en-US" dirty="0">
-                <a:solidFill>
-                  <a:srgbClr val="002060"/>
-                </a:solidFill>
-              </a:rPr>
-              <a:t>	      </a:t>
-            </a:r>
-            <a:r>
-              <a:rPr lang="en-US" dirty="0">
-                <a:solidFill>
-                  <a:srgbClr val="002060"/>
-                </a:solidFill>
-                <a:hlinkClick r:id="rId3">
-                  <a:extLst>
-                    <a:ext uri="{A12FA001-AC4F-418D-AE19-62706E023703}">
-                      <ahyp:hlinkClr xmlns:ahyp="http://schemas.microsoft.com/office/drawing/2018/hyperlinkcolor" val="tx"/>
-                    </a:ext>
-                  </a:extLst>
-                </a:hlinkClick>
-              </a:rPr>
-              <a:t>manishdalvim@gmail.com</a:t>
-            </a:r>
-            <a:r>
-              <a:rPr lang="en-US" dirty="0">
-                <a:solidFill>
-                  <a:srgbClr val="002060"/>
-                </a:solidFill>
-              </a:rPr>
-              <a:t>(Professional Id)</a:t>
-            </a:r>
-          </a:p>
-          <a:p>
-            <a:pPr algn="l"/>
-            <a:r>
-              <a:rPr lang="en-US" dirty="0">
-                <a:solidFill>
-                  <a:srgbClr val="002060"/>
-                </a:solidFill>
-              </a:rPr>
-              <a:t>	      +919483629493</a:t>
-            </a:r>
-            <a:endParaRPr lang="en-DE" dirty="0">
-              <a:solidFill>
-                <a:srgbClr val="002060"/>
-              </a:solidFill>
-            </a:endParaRPr>
           </a:p>
         </p:txBody>
       </p:sp>
